--- a/Manutenção Village/FossaSepticas.pptx
+++ b/Manutenção Village/FossaSepticas.pptx
@@ -9077,7 +9077,7 @@
             </a:lvl9pPr>
           </a:lstStyle>
           <a:p>
-            <a:pPr algn="r" defTabSz="914400" eaLnBrk="1" hangingPunct="1">
+            <a:pPr defTabSz="914400" eaLnBrk="1" hangingPunct="1">
               <a:buClrTx/>
               <a:buSzTx/>
               <a:buFontTx/>
@@ -9884,8 +9884,8 @@
               <a:buChar char="•"/>
             </a:pPr>
             <a:r>
-              <a:rPr lang="pt-BR" sz="2000" dirty="0"/>
-              <a:t>Produtos do contrato:</a:t>
+              <a:rPr lang="pt-BR" sz="2000" b="1" dirty="0"/>
+              <a:t>Revisão e otimização do contrato</a:t>
             </a:r>
           </a:p>
         </p:txBody>
@@ -9902,7 +9902,13 @@
           <p:cNvGraphicFramePr>
             <a:graphicFrameLocks noGrp="1"/>
           </p:cNvGraphicFramePr>
-          <p:nvPr/>
+          <p:nvPr>
+            <p:extLst>
+              <p:ext uri="{D42A27DB-BD31-4B8C-83A1-F6EECF244321}">
+                <p14:modId xmlns:p14="http://schemas.microsoft.com/office/powerpoint/2010/main" val="792832590"/>
+              </p:ext>
+            </p:extLst>
+          </p:nvPr>
         </p:nvGraphicFramePr>
         <p:xfrm>
           <a:off x="501724" y="3212976"/>
@@ -10563,7 +10569,7 @@
                         <a:rPr lang="pt-BR" sz="1000" u="none" strike="noStrike" dirty="0">
                           <a:effectLst/>
                         </a:rPr>
-                        <a:t> </a:t>
+                        <a:t> ---</a:t>
                       </a:r>
                       <a:endParaRPr lang="pt-BR" sz="1000" b="0" i="0" u="none" strike="noStrike" dirty="0">
                         <a:solidFill>
@@ -10976,40 +10982,10 @@
                     <a:p>
                       <a:pPr algn="l" fontAlgn="ctr"/>
                       <a:r>
-                        <a:rPr lang="pt-BR" sz="1000" u="none" strike="noStrike" dirty="0" err="1">
-                          <a:effectLst/>
-                        </a:rPr>
-                        <a:t>Ára</a:t>
-                      </a:r>
-                      <a:r>
                         <a:rPr lang="pt-BR" sz="1000" u="none" strike="noStrike" dirty="0">
                           <a:effectLst/>
                         </a:rPr>
-                        <a:t> A&amp;B, parque </a:t>
-                      </a:r>
-                      <a:r>
-                        <a:rPr lang="pt-BR" sz="1000" u="none" strike="noStrike" dirty="0" err="1">
-                          <a:effectLst/>
-                        </a:rPr>
-                        <a:t>aquatico</a:t>
-                      </a:r>
-                      <a:r>
-                        <a:rPr lang="pt-BR" sz="1000" u="none" strike="noStrike" dirty="0">
-                          <a:effectLst/>
-                        </a:rPr>
-                        <a:t>, portaria e </a:t>
-                      </a:r>
-                      <a:r>
-                        <a:rPr lang="pt-BR" sz="1000" u="none" strike="noStrike" dirty="0" err="1">
-                          <a:effectLst/>
-                        </a:rPr>
-                        <a:t>áreaa</a:t>
-                      </a:r>
-                      <a:r>
-                        <a:rPr lang="pt-BR" sz="1000" u="none" strike="noStrike" dirty="0">
-                          <a:effectLst/>
-                        </a:rPr>
-                        <a:t> administrativa</a:t>
+                        <a:t>Área A&amp;B, parque aquático, portaria e área administrativa</a:t>
                       </a:r>
                       <a:endParaRPr lang="pt-BR" sz="1000" b="0" i="0" u="none" strike="noStrike" dirty="0">
                         <a:solidFill>
@@ -11079,12 +11055,12 @@
                     <a:p>
                       <a:pPr algn="l" fontAlgn="ctr"/>
                       <a:r>
-                        <a:rPr lang="pt-BR" sz="1000" u="none" strike="noStrike">
+                        <a:rPr lang="pt-BR" sz="1000" u="none" strike="noStrike" dirty="0">
                           <a:effectLst/>
                         </a:rPr>
-                        <a:t> </a:t>
+                        <a:t> ---</a:t>
                       </a:r>
-                      <a:endParaRPr lang="pt-BR" sz="1000" b="0" i="0" u="none" strike="noStrike">
+                      <a:endParaRPr lang="pt-BR" sz="1000" b="0" i="0" u="none" strike="noStrike" dirty="0">
                         <a:solidFill>
                           <a:srgbClr val="000000"/>
                         </a:solidFill>
@@ -11192,9 +11168,7 @@
                       <a:tailEnd type="none" w="med" len="med"/>
                     </a:lnT>
                     <a:lnB w="12700" cap="flat" cmpd="sng" algn="ctr">
-                      <a:solidFill>
-                        <a:schemeClr val="tx1"/>
-                      </a:solidFill>
+                      <a:noFill/>
                       <a:prstDash val="solid"/>
                       <a:round/>
                       <a:headEnd type="none" w="med" len="med"/>
@@ -11212,12 +11186,12 @@
                     <a:p>
                       <a:pPr algn="l" fontAlgn="ctr"/>
                       <a:r>
-                        <a:rPr lang="pt-BR" sz="1000" u="none" strike="noStrike">
+                        <a:rPr lang="pt-BR" sz="1000" u="none" strike="noStrike" dirty="0">
                           <a:effectLst/>
                         </a:rPr>
                         <a:t>Limitado a 5 mensais</a:t>
                       </a:r>
-                      <a:endParaRPr lang="pt-BR" sz="1000" b="0" i="0" u="none" strike="noStrike">
+                      <a:endParaRPr lang="pt-BR" sz="1000" b="0" i="0" u="none" strike="noStrike" dirty="0">
                         <a:solidFill>
                           <a:srgbClr val="000000"/>
                         </a:solidFill>
@@ -11487,9 +11461,7 @@
                   </a:txBody>
                   <a:tcPr marL="8486" marR="8486" marT="8486" marB="0" anchor="ctr">
                     <a:lnL w="12700" cap="flat" cmpd="sng" algn="ctr">
-                      <a:solidFill>
-                        <a:schemeClr val="tx1"/>
-                      </a:solidFill>
+                      <a:noFill/>
                       <a:prstDash val="solid"/>
                       <a:round/>
                       <a:headEnd type="none" w="med" len="med"/>
@@ -11505,9 +11477,7 @@
                       <a:tailEnd type="none" w="med" len="med"/>
                     </a:lnR>
                     <a:lnT w="12700" cap="flat" cmpd="sng" algn="ctr">
-                      <a:solidFill>
-                        <a:schemeClr val="tx1"/>
-                      </a:solidFill>
+                      <a:noFill/>
                       <a:prstDash val="solid"/>
                       <a:round/>
                       <a:headEnd type="none" w="med" len="med"/>
@@ -11522,6 +11492,14 @@
                       <a:headEnd type="none" w="med" len="med"/>
                       <a:tailEnd type="none" w="med" len="med"/>
                     </a:lnB>
+                    <a:lnTlToBr w="12700" cmpd="sng">
+                      <a:noFill/>
+                      <a:prstDash val="solid"/>
+                    </a:lnTlToBr>
+                    <a:lnBlToTr w="12700" cmpd="sng">
+                      <a:noFill/>
+                      <a:prstDash val="solid"/>
+                    </a:lnBlToTr>
                     <a:solidFill>
                       <a:schemeClr val="bg1"/>
                     </a:solidFill>
@@ -11833,12 +11811,12 @@
                     <a:p>
                       <a:pPr algn="l" fontAlgn="ctr"/>
                       <a:r>
-                        <a:rPr lang="pt-BR" sz="1000" u="none" strike="noStrike">
+                        <a:rPr lang="pt-BR" sz="1000" u="none" strike="noStrike" dirty="0">
                           <a:effectLst/>
                         </a:rPr>
-                        <a:t> </a:t>
+                        <a:t> ---</a:t>
                       </a:r>
-                      <a:endParaRPr lang="pt-BR" sz="1000" b="0" i="0" u="none" strike="noStrike">
+                      <a:endParaRPr lang="pt-BR" sz="1000" b="0" i="0" u="none" strike="noStrike" dirty="0">
                         <a:solidFill>
                           <a:srgbClr val="000000"/>
                         </a:solidFill>
@@ -12170,7 +12148,7 @@
                         <a:rPr lang="pt-BR" sz="1000" u="none" strike="noStrike" dirty="0">
                           <a:effectLst/>
                         </a:rPr>
-                        <a:t> </a:t>
+                        <a:t> ---</a:t>
                       </a:r>
                       <a:endParaRPr lang="pt-BR" sz="1000" b="0" i="0" u="none" strike="noStrike" dirty="0">
                         <a:solidFill>
@@ -12318,9 +12296,9 @@
                     <a:bodyPr/>
                     <a:lstStyle/>
                     <a:p>
-                      <a:pPr algn="l" fontAlgn="ctr"/>
+                      <a:pPr algn="r" fontAlgn="ctr"/>
                       <a:r>
-                        <a:rPr lang="pt-BR" sz="1000" u="none" strike="noStrike">
+                        <a:rPr lang="pt-BR" sz="1000" b="1" u="none" strike="noStrike">
                           <a:effectLst/>
                         </a:rPr>
                         <a:t>R$ 5.344,56</a:t>
@@ -12534,14 +12512,14 @@
                     <a:bodyPr/>
                     <a:lstStyle/>
                     <a:p>
-                      <a:pPr algn="l" fontAlgn="ctr"/>
+                      <a:pPr algn="r" fontAlgn="ctr"/>
                       <a:r>
-                        <a:rPr lang="pt-BR" sz="1000" u="none" strike="noStrike">
+                        <a:rPr lang="pt-BR" sz="1000" b="1" u="none" strike="noStrike" dirty="0">
                           <a:effectLst/>
                         </a:rPr>
                         <a:t>R$ 64.134,72</a:t>
                       </a:r>
-                      <a:endParaRPr lang="pt-BR" sz="1000" b="1" i="0" u="none" strike="noStrike">
+                      <a:endParaRPr lang="pt-BR" sz="1000" b="1" i="0" u="none" strike="noStrike" dirty="0">
                         <a:solidFill>
                           <a:srgbClr val="000000"/>
                         </a:solidFill>
@@ -12698,8 +12676,12 @@
               <a:buChar char="•"/>
             </a:pPr>
             <a:r>
+              <a:rPr lang="pt-BR" sz="2000" b="1" dirty="0"/>
+              <a:t>Sucção de fossa</a:t>
+            </a:r>
+            <a:r>
               <a:rPr lang="pt-BR" sz="2000" dirty="0"/>
-              <a:t>Sucção de fossa: R$ 2.600,00 mensal ou R$ 31.200,00 anual</a:t>
+              <a:t>: R$ 2.600,00 mensal ou R$ 31.200,00 anual</a:t>
             </a:r>
           </a:p>
         </p:txBody>
@@ -13676,7 +13658,7 @@
         </p:nvSpPr>
         <p:spPr>
           <a:xfrm>
-            <a:off x="467544" y="2348880"/>
+            <a:off x="467544" y="2474887"/>
             <a:ext cx="8424863" cy="4770537"/>
           </a:xfrm>
           <a:prstGeom prst="rect">
@@ -14651,7 +14633,7 @@
         <p:spPr>
           <a:xfrm>
             <a:off x="395609" y="2708920"/>
-            <a:ext cx="8424863" cy="3847207"/>
+            <a:ext cx="8424863" cy="3581750"/>
           </a:xfrm>
           <a:prstGeom prst="rect">
             <a:avLst/>
@@ -14669,7 +14651,7 @@
               <a:buChar char="•"/>
             </a:pPr>
             <a:r>
-              <a:rPr lang="pt-BR" sz="2000" dirty="0"/>
+              <a:rPr lang="pt-BR" sz="2000" b="1" dirty="0"/>
               <a:t>Proposta apresentada:</a:t>
             </a:r>
           </a:p>
@@ -14700,7 +14682,7 @@
               <a:buFont typeface="Wingdings" panose="05000000000000000000" pitchFamily="2" charset="2"/>
               <a:buChar char="§"/>
             </a:pPr>
-            <a:endParaRPr lang="pt-BR" dirty="0"/>
+            <a:endParaRPr lang="pt-BR" sz="1000" dirty="0"/>
           </a:p>
           <a:p>
             <a:pPr marL="1085850" lvl="1" indent="-342900">
@@ -14729,7 +14711,7 @@
               <a:buFont typeface="Wingdings" panose="05000000000000000000" pitchFamily="2" charset="2"/>
               <a:buChar char="§"/>
             </a:pPr>
-            <a:endParaRPr lang="pt-BR" dirty="0"/>
+            <a:endParaRPr lang="pt-BR" sz="1000" dirty="0"/>
           </a:p>
           <a:p>
             <a:pPr marL="1085850" lvl="1" indent="-342900">
@@ -15625,7 +15607,7 @@
               <a:buChar char="•"/>
             </a:pPr>
             <a:r>
-              <a:rPr lang="pt-BR" sz="2000" dirty="0"/>
+              <a:rPr lang="pt-BR" sz="2000" b="1" dirty="0"/>
               <a:t>Proposta apresentada:</a:t>
             </a:r>
           </a:p>
@@ -16587,7 +16569,7 @@
               <a:buChar char="•"/>
             </a:pPr>
             <a:r>
-              <a:rPr lang="pt-BR" sz="2000" dirty="0"/>
+              <a:rPr lang="pt-BR" sz="2000" b="1" dirty="0"/>
               <a:t>Proposta apresentada:</a:t>
             </a:r>
           </a:p>
@@ -17563,7 +17545,7 @@
               <a:buChar char="•"/>
             </a:pPr>
             <a:r>
-              <a:rPr lang="pt-BR" sz="2000" dirty="0"/>
+              <a:rPr lang="pt-BR" sz="2000" b="1" dirty="0"/>
               <a:t>Proposta apresentada:</a:t>
             </a:r>
           </a:p>
@@ -17605,7 +17587,7 @@
             </a:pPr>
             <a:r>
               <a:rPr lang="pt-BR" dirty="0"/>
-              <a:t>Valor anual: R$ 45,720,00</a:t>
+              <a:t>Valor anual: R$ 45.720,00</a:t>
             </a:r>
           </a:p>
           <a:p>
@@ -18535,7 +18517,7 @@
             <a:pPr lvl="1" indent="0"/>
             <a:r>
               <a:rPr lang="pt-BR" b="1" dirty="0"/>
-              <a:t>Proposta de execução de uma fossa Séptica com Sumidouro como complementar ao lado das já existentes: </a:t>
+              <a:t>1) Proposta de execução de uma fossa Séptica com Sumidouro como complementar ao lado das já existentes: </a:t>
             </a:r>
           </a:p>
           <a:p>
@@ -19507,7 +19489,7 @@
             <a:pPr lvl="1" indent="0"/>
             <a:r>
               <a:rPr lang="pt-BR" b="1" dirty="0"/>
-              <a:t>Proposta de execução de fossa individualizada do item 1 nas quadras criticas e construção de fossa complementar onde não apresenta saturação conforme vistoria realizada.</a:t>
+              <a:t>2) Proposta de execução de fossa individualizada do item 1 nas quadras criticas e construção de fossa complementar onde não apresenta saturação conforme vistoria realizada.</a:t>
             </a:r>
             <a:endParaRPr lang="pt-BR" sz="900" b="1" dirty="0"/>
           </a:p>
@@ -20461,7 +20443,7 @@
             <a:pPr lvl="1" indent="0"/>
             <a:r>
               <a:rPr lang="pt-BR" b="1" dirty="0"/>
-              <a:t>Proposta de individualização sanitária global do condomínio, confeccionando 01 fossa por unidade</a:t>
+              <a:t>3) Proposta de individualização sanitária global do condomínio, confeccionando 01 fossa por unidade</a:t>
             </a:r>
             <a:endParaRPr lang="pt-BR" sz="900" b="1" dirty="0"/>
           </a:p>
@@ -21458,7 +21440,7 @@
             <a:pPr lvl="1" indent="0"/>
             <a:r>
               <a:rPr lang="pt-BR" b="1" dirty="0"/>
-              <a:t>Proposta  individualização sanitária global do condomínio com aquisição de biodigestor</a:t>
+              <a:t>4) Proposta  individualização sanitária global do condomínio com aquisição de biodigestor</a:t>
             </a:r>
             <a:endParaRPr lang="pt-BR" sz="900" b="1" dirty="0"/>
           </a:p>
@@ -23392,8 +23374,8 @@
         </p:nvSpPr>
         <p:spPr>
           <a:xfrm>
-            <a:off x="107504" y="2636912"/>
-            <a:ext cx="8280920" cy="4801314"/>
+            <a:off x="107504" y="2852936"/>
+            <a:ext cx="8496944" cy="4524315"/>
           </a:xfrm>
           <a:prstGeom prst="rect">
             <a:avLst/>
@@ -23406,9 +23388,9 @@
           </a:bodyPr>
           <a:lstStyle/>
           <a:p>
-            <a:pPr marL="1028700" lvl="1">
-              <a:buFont typeface="Wingdings" panose="05000000000000000000" pitchFamily="2" charset="2"/>
-              <a:buChar char="§"/>
+            <a:pPr marL="1085850" lvl="1" indent="-342900">
+              <a:buFont typeface="+mj-lt"/>
+              <a:buAutoNum type="arabicParenR"/>
             </a:pPr>
             <a:r>
               <a:rPr lang="pt-BR" sz="1800" b="1" dirty="0"/>
@@ -23416,9 +23398,9 @@
             </a:r>
           </a:p>
           <a:p>
-            <a:pPr marL="1028700" lvl="1">
-              <a:buFont typeface="Wingdings" panose="05000000000000000000" pitchFamily="2" charset="2"/>
-              <a:buChar char="§"/>
+            <a:pPr marL="1085850" lvl="1" indent="-342900">
+              <a:buFont typeface="+mj-lt"/>
+              <a:buAutoNum type="arabicParenR"/>
             </a:pPr>
             <a:r>
               <a:rPr lang="pt-BR" sz="1800" b="1" dirty="0"/>
@@ -23426,9 +23408,9 @@
             </a:r>
           </a:p>
           <a:p>
-            <a:pPr marL="1028700" lvl="1">
-              <a:buFont typeface="Wingdings" panose="05000000000000000000" pitchFamily="2" charset="2"/>
-              <a:buChar char="§"/>
+            <a:pPr marL="1085850" lvl="1" indent="-342900">
+              <a:buFont typeface="+mj-lt"/>
+              <a:buAutoNum type="arabicParenR"/>
             </a:pPr>
             <a:r>
               <a:rPr lang="pt-BR" sz="1800" b="1" dirty="0"/>
@@ -23441,7 +23423,7 @@
               <a:buChar char="ü"/>
             </a:pPr>
             <a:r>
-              <a:rPr lang="pt-BR" sz="1800" b="1" dirty="0"/>
+              <a:rPr lang="pt-BR" sz="1800" dirty="0"/>
               <a:t>Apresentação das propostas ao condôminos</a:t>
             </a:r>
           </a:p>
@@ -23451,7 +23433,7 @@
               <a:buChar char="ü"/>
             </a:pPr>
             <a:r>
-              <a:rPr lang="pt-BR" sz="1800" b="1" dirty="0"/>
+              <a:rPr lang="pt-BR" sz="1800" dirty="0"/>
               <a:t>Definição de ações a serem realizadas:</a:t>
             </a:r>
           </a:p>
@@ -23461,8 +23443,8 @@
               <a:buChar char="q"/>
             </a:pPr>
             <a:r>
-              <a:rPr lang="pt-BR" sz="1800" b="1" dirty="0"/>
-              <a:t>Se contrata fornecedor (rateio de taxa extra)</a:t>
+              <a:rPr lang="pt-BR" sz="1800" dirty="0"/>
+              <a:t>Se contrata fornecedor (rateio de taxa extra);</a:t>
             </a:r>
           </a:p>
           <a:p>
@@ -23471,8 +23453,8 @@
               <a:buChar char="q"/>
             </a:pPr>
             <a:r>
-              <a:rPr lang="pt-BR" sz="1800" b="1" dirty="0"/>
-              <a:t>Aguarda outras soluções</a:t>
+              <a:rPr lang="pt-BR" sz="1800" dirty="0"/>
+              <a:t>Aguarda outras soluções;</a:t>
             </a:r>
           </a:p>
           <a:p>
@@ -23481,8 +23463,8 @@
               <a:buChar char="q"/>
             </a:pPr>
             <a:r>
-              <a:rPr lang="pt-BR" sz="1800" b="1" dirty="0"/>
-              <a:t>Se mantem o cenário atual</a:t>
+              <a:rPr lang="pt-BR" sz="1800" dirty="0"/>
+              <a:t>Se mantem o cenário atual.</a:t>
             </a:r>
           </a:p>
           <a:p>
@@ -23951,7 +23933,7 @@
         <p:spPr>
           <a:xfrm>
             <a:off x="1194177" y="3068960"/>
-            <a:ext cx="6370451" cy="6863417"/>
+            <a:ext cx="6370451" cy="2200602"/>
           </a:xfrm>
           <a:prstGeom prst="rect">
             <a:avLst/>
@@ -23971,19 +23953,42 @@
             </a:r>
           </a:p>
           <a:p>
-            <a:pPr lvl="2" indent="0"/>
-            <a:endParaRPr lang="pt-BR" sz="8000" dirty="0"/>
-          </a:p>
-          <a:p>
-            <a:pPr lvl="1" indent="0"/>
-            <a:endParaRPr lang="pt-BR" sz="8000" dirty="0"/>
-          </a:p>
-          <a:p>
-            <a:pPr marL="1085850" lvl="1" indent="-342900">
-              <a:buFont typeface="Wingdings" panose="05000000000000000000" pitchFamily="2" charset="2"/>
-              <a:buChar char="§"/>
+            <a:pPr lvl="1" indent="0" algn="ctr"/>
+            <a:endParaRPr lang="pt-BR" sz="1800" b="1" dirty="0"/>
+          </a:p>
+          <a:p>
+            <a:pPr lvl="1" indent="0" algn="ctr">
+              <a:spcBef>
+                <a:spcPts val="0"/>
+              </a:spcBef>
             </a:pPr>
-            <a:endParaRPr lang="pt-BR" sz="8000" dirty="0"/>
+            <a:r>
+              <a:rPr lang="pt-BR" sz="1800" b="1"/>
+              <a:t>Rogério </a:t>
+            </a:r>
+            <a:r>
+              <a:rPr lang="pt-BR" sz="1800" b="1" dirty="0"/>
+              <a:t>Wilson </a:t>
+            </a:r>
+            <a:r>
+              <a:rPr lang="pt-BR" sz="1800" b="1" dirty="0" err="1"/>
+              <a:t>Lélis</a:t>
+            </a:r>
+            <a:r>
+              <a:rPr lang="pt-BR" sz="1800" b="1" dirty="0"/>
+              <a:t> Caixeta </a:t>
+            </a:r>
+          </a:p>
+          <a:p>
+            <a:pPr lvl="1" indent="0" algn="ctr">
+              <a:spcBef>
+                <a:spcPts val="0"/>
+              </a:spcBef>
+            </a:pPr>
+            <a:r>
+              <a:rPr lang="pt-BR" sz="1200" b="1" dirty="0"/>
+              <a:t>Responsável pelo levantamento</a:t>
+            </a:r>
           </a:p>
         </p:txBody>
       </p:sp>
@@ -25564,7 +25569,7 @@
                 </a:solidFill>
                 <a:ea typeface="Batang" panose="02030600000101010101" pitchFamily="18" charset="-127"/>
               </a:rPr>
-              <a:t>Mapa da quantidade de fossas e sua localização</a:t>
+              <a:t>Quantidade de fossas e sua localização</a:t>
             </a:r>
             <a:endParaRPr lang="pt-BR" altLang="pt-BR" sz="2000" dirty="0">
               <a:solidFill>
@@ -28439,8 +28444,8 @@
         </p:nvSpPr>
         <p:spPr>
           <a:xfrm>
-            <a:off x="400525" y="2780928"/>
-            <a:ext cx="8314119" cy="861774"/>
+            <a:off x="329240" y="2706305"/>
+            <a:ext cx="8491232" cy="938719"/>
           </a:xfrm>
           <a:prstGeom prst="rect">
             <a:avLst/>
@@ -28454,11 +28459,11 @@
           <a:lstStyle/>
           <a:p>
             <a:pPr marL="342900" indent="-342900">
-              <a:buFont typeface="Arial" panose="020B0604020202020204" pitchFamily="34" charset="0"/>
-              <a:buChar char="•"/>
+              <a:buFont typeface="Wingdings" panose="05000000000000000000" pitchFamily="2" charset="2"/>
+              <a:buChar char="§"/>
             </a:pPr>
             <a:r>
-              <a:rPr lang="pt-BR" sz="2000" dirty="0"/>
+              <a:rPr lang="pt-BR" sz="2200" dirty="0"/>
               <a:t>Existem atualmente, 36 fossas, conforme mapeamento abaixo:</a:t>
             </a:r>
           </a:p>
@@ -28467,7 +28472,7 @@
               <a:buFont typeface="Arial" panose="020B0604020202020204" pitchFamily="34" charset="0"/>
               <a:buChar char="•"/>
             </a:pPr>
-            <a:endParaRPr lang="pt-BR" sz="2000" dirty="0"/>
+            <a:endParaRPr lang="pt-BR" sz="2200" dirty="0"/>
           </a:p>
         </p:txBody>
       </p:sp>
@@ -36199,8 +36204,8 @@
               <a:buChar char="§"/>
             </a:pPr>
             <a:r>
-              <a:rPr lang="pt-BR" sz="2000" dirty="0"/>
-              <a:t>Totais</a:t>
+              <a:rPr lang="pt-BR" sz="2000" b="1" dirty="0"/>
+              <a:t>Totais:</a:t>
             </a:r>
           </a:p>
           <a:p>
@@ -36210,7 +36215,7 @@
             </a:pPr>
             <a:r>
               <a:rPr lang="pt-BR" sz="2000" dirty="0"/>
-              <a:t>Azaleia: 04 fossas;</a:t>
+              <a:t>Etapa Azaleia: 04 fossas;</a:t>
             </a:r>
           </a:p>
           <a:p>
@@ -36220,7 +36225,7 @@
             </a:pPr>
             <a:r>
               <a:rPr lang="pt-BR" sz="2000" dirty="0"/>
-              <a:t>Bougainville: 09 fossas;</a:t>
+              <a:t>Etapa Bougainville: 09 fossas;</a:t>
             </a:r>
           </a:p>
           <a:p>
@@ -36230,7 +36235,7 @@
             </a:pPr>
             <a:r>
               <a:rPr lang="pt-BR" sz="2000" dirty="0"/>
-              <a:t>Gardênia: 05 fossas;</a:t>
+              <a:t>Etapa Gardênia: 05 fossas;</a:t>
             </a:r>
           </a:p>
           <a:p>
@@ -36240,7 +36245,7 @@
             </a:pPr>
             <a:r>
               <a:rPr lang="pt-BR" sz="2000" dirty="0"/>
-              <a:t>Jacarandás: 05 fossas;</a:t>
+              <a:t>Etapa Jacarandás: 05 fossas;</a:t>
             </a:r>
           </a:p>
           <a:p>
@@ -36250,7 +36255,7 @@
             </a:pPr>
             <a:r>
               <a:rPr lang="pt-BR" sz="2000" dirty="0"/>
-              <a:t>Orquídeas: 06 fossas;</a:t>
+              <a:t>Etapa Orquídeas: 06 fossas;</a:t>
             </a:r>
           </a:p>
           <a:p>
@@ -36260,7 +36265,7 @@
             </a:pPr>
             <a:r>
               <a:rPr lang="pt-BR" sz="2000" dirty="0"/>
-              <a:t>Pitangueiras: 06 fossas;</a:t>
+              <a:t>Etapa Pitangueiras: 06 fossas;</a:t>
             </a:r>
           </a:p>
           <a:p>
@@ -37444,8 +37449,8 @@
         </p:nvSpPr>
         <p:spPr>
           <a:xfrm>
-            <a:off x="400525" y="2780928"/>
-            <a:ext cx="8314119" cy="5016758"/>
+            <a:off x="400525" y="2636912"/>
+            <a:ext cx="8314119" cy="4708981"/>
           </a:xfrm>
           <a:prstGeom prst="rect">
             <a:avLst/>
@@ -37464,7 +37469,11 @@
             </a:pPr>
             <a:r>
               <a:rPr lang="pt-BR" sz="2000" dirty="0"/>
-              <a:t>Foram identificada diversas fossas em estado de saturação</a:t>
+              <a:t>Foram identificada diversas fossas em estado de </a:t>
+            </a:r>
+            <a:r>
+              <a:rPr lang="pt-BR" sz="2000" b="1" dirty="0"/>
+              <a:t>saturação</a:t>
             </a:r>
           </a:p>
           <a:p>
@@ -37474,7 +37483,15 @@
             </a:pPr>
             <a:r>
               <a:rPr lang="pt-BR" sz="2000" dirty="0"/>
-              <a:t>Foram identificadas ligações da drenagem de águas pluviais para a rede de esgoto, sobrecarregando o sistema:</a:t>
+              <a:t>Foram identificadas ligações da drenagem de águas pluviais para a rede de esgoto, </a:t>
+            </a:r>
+            <a:r>
+              <a:rPr lang="pt-BR" sz="2000" b="1" dirty="0"/>
+              <a:t>sobrecarregando o sistema</a:t>
+            </a:r>
+            <a:r>
+              <a:rPr lang="pt-BR" sz="2000" dirty="0"/>
+              <a:t>:</a:t>
             </a:r>
           </a:p>
           <a:p>
@@ -37483,8 +37500,20 @@
               <a:buChar char="•"/>
             </a:pPr>
             <a:r>
+              <a:rPr lang="pt-BR" b="1" dirty="0"/>
+              <a:t>A rede de esgoto não possui estrutura</a:t>
+            </a:r>
+            <a:r>
               <a:rPr lang="pt-BR" dirty="0"/>
-              <a:t>A rede de esgoto não possui estrutura para receber o volume das águas de chuva e, com a sobrecarga, o material coletado não tem por onde sair, retornando para as residências ou rompendo a rede.</a:t>
+              <a:t> para receber o volume das águas de chuva e, com a sobrecarga, o material coletado não tem por onde sair, </a:t>
+            </a:r>
+            <a:r>
+              <a:rPr lang="pt-BR" b="1" dirty="0"/>
+              <a:t>retornando para as residências ou rompendo a rede</a:t>
+            </a:r>
+            <a:r>
+              <a:rPr lang="pt-BR" dirty="0"/>
+              <a:t>.</a:t>
             </a:r>
           </a:p>
           <a:p>
@@ -37494,7 +37523,31 @@
             </a:pPr>
             <a:r>
               <a:rPr lang="pt-BR" sz="2000" dirty="0"/>
-              <a:t>Foi verificado que o terreno na parte inferior (próximo ao riacho) da etapa Gardênia já atingiu a sua capacidade de drenagem, estando assim também saturado em razão da quantidade de chuvas, não conseguindo absorver e filtrar a água que, em teoria, deveria fluir nos sumidouros.</a:t>
+              <a:t>Foi verificado que o terreno (próximo ao riacho) da etapa Gardênia já </a:t>
+            </a:r>
+            <a:r>
+              <a:rPr lang="pt-BR" sz="2000" b="1" dirty="0"/>
+              <a:t>atingiu a sua capacidade de drenagem</a:t>
+            </a:r>
+            <a:r>
+              <a:rPr lang="pt-BR" sz="2000" dirty="0"/>
+              <a:t>, estando assim também </a:t>
+            </a:r>
+            <a:r>
+              <a:rPr lang="pt-BR" sz="2000" b="1" dirty="0"/>
+              <a:t>saturado</a:t>
+            </a:r>
+            <a:r>
+              <a:rPr lang="pt-BR" sz="2000" dirty="0"/>
+              <a:t> em razão da quantidade de chuvas, </a:t>
+            </a:r>
+            <a:r>
+              <a:rPr lang="pt-BR" sz="2000" b="1" dirty="0"/>
+              <a:t>não conseguindo </a:t>
+            </a:r>
+            <a:r>
+              <a:rPr lang="pt-BR" sz="2000" dirty="0"/>
+              <a:t>absorver e filtrar a água que, em teoria, deveria fluir nos sumidouros.</a:t>
             </a:r>
           </a:p>
           <a:p>
@@ -38550,7 +38603,7 @@
               <a:buChar char="•"/>
             </a:pPr>
             <a:r>
-              <a:rPr lang="pt-BR" sz="2000" dirty="0"/>
+              <a:rPr lang="pt-BR" sz="2000" b="1" dirty="0"/>
               <a:t>Foram contatos fornecedores para analisar situação atual, objetivando propor soluções, para:</a:t>
             </a:r>
           </a:p>
@@ -38580,7 +38633,7 @@
               <a:buChar char="•"/>
             </a:pPr>
             <a:r>
-              <a:rPr lang="pt-BR" sz="2000" dirty="0"/>
+              <a:rPr lang="pt-BR" sz="2000" b="1" dirty="0"/>
               <a:t>Fornecedores contatados:</a:t>
             </a:r>
           </a:p>

--- a/Manutenção Village/FossaSepticas.pptx
+++ b/Manutenção Village/FossaSepticas.pptx
@@ -8858,6 +8858,19 @@
                 </a:effectLst>
               </a:rPr>
             </a:br>
+            <a:r>
+              <a:rPr lang="de-DE" altLang="pt-BR" sz="3600" i="1" dirty="0">
+                <a:solidFill>
+                  <a:schemeClr val="bg1"/>
+                </a:solidFill>
+                <a:effectLst>
+                  <a:outerShdw blurRad="38100" dist="38100" dir="2700000" algn="tl">
+                    <a:srgbClr val="C0C0C0"/>
+                  </a:outerShdw>
+                </a:effectLst>
+              </a:rPr>
+              <a:t/>
+            </a:r>
             <a:br>
               <a:rPr lang="de-DE" altLang="pt-BR" sz="3600" i="1" dirty="0">
                 <a:solidFill>
@@ -9104,6 +9117,13 @@
   <p:clrMapOvr>
     <a:masterClrMapping/>
   </p:clrMapOvr>
+  <p:timing>
+    <p:tnLst>
+      <p:par>
+        <p:cTn id="1" dur="indefinite" restart="never" nodeType="tmRoot"/>
+      </p:par>
+    </p:tnLst>
+  </p:timing>
 </p:sld>
 </file>
 
@@ -27479,7 +27499,7 @@
         </p:nvGraphicFramePr>
         <p:xfrm>
           <a:off x="763454" y="5341580"/>
-          <a:ext cx="7531881" cy="1039748"/>
+          <a:ext cx="7531881" cy="1043688"/>
         </p:xfrm>
         <a:graphic>
           <a:graphicData uri="http://schemas.openxmlformats.org/drawingml/2006/table">
@@ -28547,6 +28567,170 @@
                                         </p:tgtEl>
                                       </p:cBhvr>
                                     </p:animEffect>
+                                  </p:childTnLst>
+                                </p:cTn>
+                              </p:par>
+                            </p:childTnLst>
+                          </p:cTn>
+                        </p:par>
+                      </p:childTnLst>
+                    </p:cTn>
+                  </p:par>
+                  <p:par>
+                    <p:cTn id="8" fill="hold">
+                      <p:stCondLst>
+                        <p:cond delay="indefinite"/>
+                      </p:stCondLst>
+                      <p:childTnLst>
+                        <p:par>
+                          <p:cTn id="9" fill="hold">
+                            <p:stCondLst>
+                              <p:cond delay="0"/>
+                            </p:stCondLst>
+                            <p:childTnLst>
+                              <p:par>
+                                <p:cTn id="10" presetID="2" presetClass="entr" presetSubtype="4" fill="hold" nodeType="clickEffect">
+                                  <p:stCondLst>
+                                    <p:cond delay="0"/>
+                                  </p:stCondLst>
+                                  <p:childTnLst>
+                                    <p:set>
+                                      <p:cBhvr>
+                                        <p:cTn id="11" dur="1" fill="hold">
+                                          <p:stCondLst>
+                                            <p:cond delay="0"/>
+                                          </p:stCondLst>
+                                        </p:cTn>
+                                        <p:tgtEl>
+                                          <p:spTgt spid="2"/>
+                                        </p:tgtEl>
+                                        <p:attrNameLst>
+                                          <p:attrName>style.visibility</p:attrName>
+                                        </p:attrNameLst>
+                                      </p:cBhvr>
+                                      <p:to>
+                                        <p:strVal val="visible"/>
+                                      </p:to>
+                                    </p:set>
+                                    <p:anim calcmode="lin" valueType="num">
+                                      <p:cBhvr additive="base">
+                                        <p:cTn id="12" dur="500" fill="hold"/>
+                                        <p:tgtEl>
+                                          <p:spTgt spid="2"/>
+                                        </p:tgtEl>
+                                        <p:attrNameLst>
+                                          <p:attrName>ppt_x</p:attrName>
+                                        </p:attrNameLst>
+                                      </p:cBhvr>
+                                      <p:tavLst>
+                                        <p:tav tm="0">
+                                          <p:val>
+                                            <p:strVal val="#ppt_x"/>
+                                          </p:val>
+                                        </p:tav>
+                                        <p:tav tm="100000">
+                                          <p:val>
+                                            <p:strVal val="#ppt_x"/>
+                                          </p:val>
+                                        </p:tav>
+                                      </p:tavLst>
+                                    </p:anim>
+                                    <p:anim calcmode="lin" valueType="num">
+                                      <p:cBhvr additive="base">
+                                        <p:cTn id="13" dur="500" fill="hold"/>
+                                        <p:tgtEl>
+                                          <p:spTgt spid="2"/>
+                                        </p:tgtEl>
+                                        <p:attrNameLst>
+                                          <p:attrName>ppt_y</p:attrName>
+                                        </p:attrNameLst>
+                                      </p:cBhvr>
+                                      <p:tavLst>
+                                        <p:tav tm="0">
+                                          <p:val>
+                                            <p:strVal val="1+#ppt_h/2"/>
+                                          </p:val>
+                                        </p:tav>
+                                        <p:tav tm="100000">
+                                          <p:val>
+                                            <p:strVal val="#ppt_y"/>
+                                          </p:val>
+                                        </p:tav>
+                                      </p:tavLst>
+                                    </p:anim>
+                                  </p:childTnLst>
+                                </p:cTn>
+                              </p:par>
+                              <p:par>
+                                <p:cTn id="14" presetID="2" presetClass="entr" presetSubtype="4" fill="hold" nodeType="withEffect">
+                                  <p:stCondLst>
+                                    <p:cond delay="0"/>
+                                  </p:stCondLst>
+                                  <p:childTnLst>
+                                    <p:set>
+                                      <p:cBhvr>
+                                        <p:cTn id="15" dur="1" fill="hold">
+                                          <p:stCondLst>
+                                            <p:cond delay="0"/>
+                                          </p:stCondLst>
+                                        </p:cTn>
+                                        <p:tgtEl>
+                                          <p:spTgt spid="4"/>
+                                        </p:tgtEl>
+                                        <p:attrNameLst>
+                                          <p:attrName>style.visibility</p:attrName>
+                                        </p:attrNameLst>
+                                      </p:cBhvr>
+                                      <p:to>
+                                        <p:strVal val="visible"/>
+                                      </p:to>
+                                    </p:set>
+                                    <p:anim calcmode="lin" valueType="num">
+                                      <p:cBhvr additive="base">
+                                        <p:cTn id="16" dur="500" fill="hold"/>
+                                        <p:tgtEl>
+                                          <p:spTgt spid="4"/>
+                                        </p:tgtEl>
+                                        <p:attrNameLst>
+                                          <p:attrName>ppt_x</p:attrName>
+                                        </p:attrNameLst>
+                                      </p:cBhvr>
+                                      <p:tavLst>
+                                        <p:tav tm="0">
+                                          <p:val>
+                                            <p:strVal val="#ppt_x"/>
+                                          </p:val>
+                                        </p:tav>
+                                        <p:tav tm="100000">
+                                          <p:val>
+                                            <p:strVal val="#ppt_x"/>
+                                          </p:val>
+                                        </p:tav>
+                                      </p:tavLst>
+                                    </p:anim>
+                                    <p:anim calcmode="lin" valueType="num">
+                                      <p:cBhvr additive="base">
+                                        <p:cTn id="17" dur="500" fill="hold"/>
+                                        <p:tgtEl>
+                                          <p:spTgt spid="4"/>
+                                        </p:tgtEl>
+                                        <p:attrNameLst>
+                                          <p:attrName>ppt_y</p:attrName>
+                                        </p:attrNameLst>
+                                      </p:cBhvr>
+                                      <p:tavLst>
+                                        <p:tav tm="0">
+                                          <p:val>
+                                            <p:strVal val="1+#ppt_h/2"/>
+                                          </p:val>
+                                        </p:tav>
+                                        <p:tav tm="100000">
+                                          <p:val>
+                                            <p:strVal val="#ppt_y"/>
+                                          </p:val>
+                                        </p:tav>
+                                      </p:tavLst>
+                                    </p:anim>
                                   </p:childTnLst>
                                 </p:cTn>
                               </p:par>
@@ -32434,6 +32618,13 @@
     <a:masterClrMapping/>
   </p:clrMapOvr>
   <p:transition/>
+  <p:timing>
+    <p:tnLst>
+      <p:par>
+        <p:cTn id="1" dur="indefinite" restart="never" nodeType="tmRoot"/>
+      </p:par>
+    </p:tnLst>
+  </p:timing>
 </p:sld>
 </file>
 
@@ -35436,6 +35627,13 @@
     <a:masterClrMapping/>
   </p:clrMapOvr>
   <p:transition/>
+  <p:timing>
+    <p:tnLst>
+      <p:par>
+        <p:cTn id="1" dur="indefinite" restart="never" nodeType="tmRoot"/>
+      </p:par>
+    </p:tnLst>
+  </p:timing>
 </p:sld>
 </file>
 
